--- a/Docs/Presentation.pptx
+++ b/Docs/Presentation.pptx
@@ -3628,7 +3628,7 @@
   <dgm:whole/>
   <dgm:extLst>
     <a:ext uri="http://schemas.microsoft.com/office/drawing/2008/diagram">
-      <dsp:dataModelExt xmlns:dsp="http://schemas.microsoft.com/office/drawing/2008/diagram" xmlns="" relId="rId7" minVer="http://schemas.openxmlformats.org/drawingml/2006/diagram"/>
+      <dsp:dataModelExt xmlns="" xmlns:dsp="http://schemas.microsoft.com/office/drawing/2008/diagram" relId="rId7" minVer="http://schemas.openxmlformats.org/drawingml/2006/diagram"/>
     </a:ext>
   </dgm:extLst>
 </dgm:dataModel>
@@ -3875,7 +3875,7 @@
   <dgm:whole/>
   <dgm:extLst>
     <a:ext uri="http://schemas.microsoft.com/office/drawing/2008/diagram">
-      <dsp:dataModelExt xmlns:dsp="http://schemas.microsoft.com/office/drawing/2008/diagram" xmlns="" relId="rId6" minVer="http://schemas.openxmlformats.org/drawingml/2006/diagram"/>
+      <dsp:dataModelExt xmlns="" xmlns:dsp="http://schemas.microsoft.com/office/drawing/2008/diagram" relId="rId6" minVer="http://schemas.openxmlformats.org/drawingml/2006/diagram"/>
     </a:ext>
   </dgm:extLst>
 </dgm:dataModel>
@@ -4260,7 +4260,7 @@
   <dgm:whole/>
   <dgm:extLst>
     <a:ext uri="http://schemas.microsoft.com/office/drawing/2008/diagram">
-      <dsp:dataModelExt xmlns:dsp="http://schemas.microsoft.com/office/drawing/2008/diagram" xmlns="" relId="rId6" minVer="http://schemas.openxmlformats.org/drawingml/2006/diagram"/>
+      <dsp:dataModelExt xmlns="" xmlns:dsp="http://schemas.microsoft.com/office/drawing/2008/diagram" relId="rId6" minVer="http://schemas.openxmlformats.org/drawingml/2006/diagram"/>
     </a:ext>
   </dgm:extLst>
 </dgm:dataModel>
@@ -4588,7 +4588,7 @@
   <dgm:whole/>
   <dgm:extLst>
     <a:ext uri="http://schemas.microsoft.com/office/drawing/2008/diagram">
-      <dsp:dataModelExt xmlns:dsp="http://schemas.microsoft.com/office/drawing/2008/diagram" xmlns="" relId="rId6" minVer="http://schemas.openxmlformats.org/drawingml/2006/diagram"/>
+      <dsp:dataModelExt xmlns="" xmlns:dsp="http://schemas.microsoft.com/office/drawing/2008/diagram" relId="rId6" minVer="http://schemas.openxmlformats.org/drawingml/2006/diagram"/>
     </a:ext>
   </dgm:extLst>
 </dgm:dataModel>
@@ -10994,7 +10994,7 @@
     </p:spTree>
     <p:extLst>
       <p:ext uri="{BB962C8B-B14F-4D97-AF65-F5344CB8AC3E}">
-        <p14:creationId xmlns:p14="http://schemas.microsoft.com/office/powerpoint/2010/main" xmlns="" val="2809730882"/>
+        <p14:creationId xmlns="" xmlns:p14="http://schemas.microsoft.com/office/powerpoint/2010/main" val="2809730882"/>
       </p:ext>
     </p:extLst>
   </p:cSld>
@@ -11495,7 +11495,7 @@
     </p:spTree>
     <p:extLst>
       <p:ext uri="{BB962C8B-B14F-4D97-AF65-F5344CB8AC3E}">
-        <p14:creationId xmlns:p14="http://schemas.microsoft.com/office/powerpoint/2010/main" xmlns="" val="4140273325"/>
+        <p14:creationId xmlns="" xmlns:p14="http://schemas.microsoft.com/office/powerpoint/2010/main" val="4140273325"/>
       </p:ext>
     </p:extLst>
   </p:cSld>
@@ -14827,7 +14827,7 @@
     </p:spTree>
     <p:extLst>
       <p:ext uri="{BB962C8B-B14F-4D97-AF65-F5344CB8AC3E}">
-        <p14:creationId xmlns:p14="http://schemas.microsoft.com/office/powerpoint/2010/main" xmlns="" val="2013085951"/>
+        <p14:creationId xmlns="" xmlns:p14="http://schemas.microsoft.com/office/powerpoint/2010/main" val="2013085951"/>
       </p:ext>
     </p:extLst>
   </p:cSld>
@@ -15045,7 +15045,7 @@
           <p:nvPr>
             <p:extLst>
               <p:ext uri="{D42A27DB-BD31-4B8C-83A1-F6EECF244321}">
-                <p14:modId xmlns:p14="http://schemas.microsoft.com/office/powerpoint/2010/main" xmlns="" val="1862089181"/>
+                <p14:modId xmlns="" xmlns:p14="http://schemas.microsoft.com/office/powerpoint/2010/main" val="1862089181"/>
               </p:ext>
             </p:extLst>
           </p:nvPr>
@@ -15063,7 +15063,7 @@
     </p:spTree>
     <p:extLst>
       <p:ext uri="{BB962C8B-B14F-4D97-AF65-F5344CB8AC3E}">
-        <p14:creationId xmlns:p14="http://schemas.microsoft.com/office/powerpoint/2010/main" xmlns="" val="2879375744"/>
+        <p14:creationId xmlns="" xmlns:p14="http://schemas.microsoft.com/office/powerpoint/2010/main" val="2879375744"/>
       </p:ext>
     </p:extLst>
   </p:cSld>
@@ -15458,7 +15458,7 @@
           <p:nvPr>
             <p:extLst>
               <p:ext uri="{D42A27DB-BD31-4B8C-83A1-F6EECF244321}">
-                <p14:modId xmlns:p14="http://schemas.microsoft.com/office/powerpoint/2010/main" xmlns="" val="2817460794"/>
+                <p14:modId xmlns="" xmlns:p14="http://schemas.microsoft.com/office/powerpoint/2010/main" val="2817460794"/>
               </p:ext>
             </p:extLst>
           </p:nvPr>
@@ -15476,7 +15476,7 @@
     </p:spTree>
     <p:extLst>
       <p:ext uri="{BB962C8B-B14F-4D97-AF65-F5344CB8AC3E}">
-        <p14:creationId xmlns:p14="http://schemas.microsoft.com/office/powerpoint/2010/main" xmlns="" val="314196106"/>
+        <p14:creationId xmlns="" xmlns:p14="http://schemas.microsoft.com/office/powerpoint/2010/main" val="314196106"/>
       </p:ext>
     </p:extLst>
   </p:cSld>
@@ -15723,7 +15723,7 @@
           <p:nvPr>
             <p:extLst>
               <p:ext uri="{D42A27DB-BD31-4B8C-83A1-F6EECF244321}">
-                <p14:modId xmlns:p14="http://schemas.microsoft.com/office/powerpoint/2010/main" xmlns="" val="907857300"/>
+                <p14:modId xmlns="" xmlns:p14="http://schemas.microsoft.com/office/powerpoint/2010/main" val="907857300"/>
               </p:ext>
             </p:extLst>
           </p:nvPr>
@@ -15750,7 +15750,7 @@
           <a:blip r:embed="rId6">
             <a:extLst>
               <a:ext uri="{28A0092B-C50C-407E-A947-70E740481C1C}">
-                <a14:useLocalDpi xmlns:a14="http://schemas.microsoft.com/office/drawing/2010/main" xmlns="" val="0"/>
+                <a14:useLocalDpi xmlns="" xmlns:a14="http://schemas.microsoft.com/office/drawing/2010/main" val="0"/>
               </a:ext>
             </a:extLst>
           </a:blip>
@@ -15773,14 +15773,14 @@
           </a:ln>
           <a:extLst>
             <a:ext uri="{909E8E84-426E-40DD-AFC4-6F175D3DCCD1}">
-              <a14:hiddenFill xmlns:a14="http://schemas.microsoft.com/office/drawing/2010/main" xmlns="">
+              <a14:hiddenFill xmlns="" xmlns:a14="http://schemas.microsoft.com/office/drawing/2010/main">
                 <a:solidFill>
                   <a:schemeClr val="accent1"/>
                 </a:solidFill>
               </a14:hiddenFill>
             </a:ext>
             <a:ext uri="{91240B29-F687-4F45-9708-019B960494DF}">
-              <a14:hiddenLine xmlns:a14="http://schemas.microsoft.com/office/drawing/2010/main" xmlns="" w="9525">
+              <a14:hiddenLine xmlns="" xmlns:a14="http://schemas.microsoft.com/office/drawing/2010/main" w="9525">
                 <a:solidFill>
                   <a:schemeClr val="tx1"/>
                 </a:solidFill>
@@ -15795,7 +15795,7 @@
     </p:spTree>
     <p:extLst>
       <p:ext uri="{BB962C8B-B14F-4D97-AF65-F5344CB8AC3E}">
-        <p14:creationId xmlns:p14="http://schemas.microsoft.com/office/powerpoint/2010/main" xmlns="" val="3372007555"/>
+        <p14:creationId xmlns="" xmlns:p14="http://schemas.microsoft.com/office/powerpoint/2010/main" val="3372007555"/>
       </p:ext>
     </p:extLst>
   </p:cSld>
@@ -16181,7 +16181,7 @@
           <a:blip r:embed="rId2">
             <a:extLst>
               <a:ext uri="{28A0092B-C50C-407E-A947-70E740481C1C}">
-                <a14:useLocalDpi xmlns:a14="http://schemas.microsoft.com/office/drawing/2010/main" xmlns="" val="0"/>
+                <a14:useLocalDpi xmlns="" xmlns:a14="http://schemas.microsoft.com/office/drawing/2010/main" val="0"/>
               </a:ext>
             </a:extLst>
           </a:blip>
@@ -16201,7 +16201,7 @@
           <a:noFill/>
           <a:extLst>
             <a:ext uri="{909E8E84-426E-40DD-AFC4-6F175D3DCCD1}">
-              <a14:hiddenFill xmlns:a14="http://schemas.microsoft.com/office/drawing/2010/main" xmlns="">
+              <a14:hiddenFill xmlns="" xmlns:a14="http://schemas.microsoft.com/office/drawing/2010/main">
                 <a:solidFill>
                   <a:srgbClr val="FFFFFF"/>
                 </a:solidFill>
@@ -16213,7 +16213,7 @@
     </p:spTree>
     <p:extLst>
       <p:ext uri="{BB962C8B-B14F-4D97-AF65-F5344CB8AC3E}">
-        <p14:creationId xmlns:p14="http://schemas.microsoft.com/office/powerpoint/2010/main" xmlns="" val="4162370132"/>
+        <p14:creationId xmlns="" xmlns:p14="http://schemas.microsoft.com/office/powerpoint/2010/main" val="4162370132"/>
       </p:ext>
     </p:extLst>
   </p:cSld>
@@ -16811,7 +16811,7 @@
     </p:spTree>
     <p:extLst>
       <p:ext uri="{BB962C8B-B14F-4D97-AF65-F5344CB8AC3E}">
-        <p14:creationId xmlns:p14="http://schemas.microsoft.com/office/powerpoint/2010/main" xmlns="" val="1764812576"/>
+        <p14:creationId xmlns="" xmlns:p14="http://schemas.microsoft.com/office/powerpoint/2010/main" val="1764812576"/>
       </p:ext>
     </p:extLst>
   </p:cSld>
@@ -16936,7 +16936,7 @@
           <a:blip r:embed="rId2">
             <a:extLst>
               <a:ext uri="{28A0092B-C50C-407E-A947-70E740481C1C}">
-                <a14:useLocalDpi xmlns:a14="http://schemas.microsoft.com/office/drawing/2010/main" xmlns="" val="0"/>
+                <a14:useLocalDpi xmlns="" xmlns:a14="http://schemas.microsoft.com/office/drawing/2010/main" val="0"/>
               </a:ext>
             </a:extLst>
           </a:blip>
@@ -16957,14 +16957,14 @@
           </a:ln>
           <a:extLst>
             <a:ext uri="{909E8E84-426E-40DD-AFC4-6F175D3DCCD1}">
-              <a14:hiddenFill xmlns:a14="http://schemas.microsoft.com/office/drawing/2010/main" xmlns="">
+              <a14:hiddenFill xmlns="" xmlns:a14="http://schemas.microsoft.com/office/drawing/2010/main">
                 <a:solidFill>
                   <a:schemeClr val="accent1"/>
                 </a:solidFill>
               </a14:hiddenFill>
             </a:ext>
             <a:ext uri="{91240B29-F687-4F45-9708-019B960494DF}">
-              <a14:hiddenLine xmlns:a14="http://schemas.microsoft.com/office/drawing/2010/main" xmlns="" w="9525">
+              <a14:hiddenLine xmlns="" xmlns:a14="http://schemas.microsoft.com/office/drawing/2010/main" w="9525">
                 <a:solidFill>
                   <a:schemeClr val="tx1"/>
                 </a:solidFill>
@@ -16979,7 +16979,7 @@
     </p:spTree>
     <p:extLst>
       <p:ext uri="{BB962C8B-B14F-4D97-AF65-F5344CB8AC3E}">
-        <p14:creationId xmlns:p14="http://schemas.microsoft.com/office/powerpoint/2010/main" xmlns="" val="2973799969"/>
+        <p14:creationId xmlns="" xmlns:p14="http://schemas.microsoft.com/office/powerpoint/2010/main" val="2973799969"/>
       </p:ext>
     </p:extLst>
   </p:cSld>
@@ -17135,7 +17135,7 @@
           <a:blip r:embed="rId2">
             <a:extLst>
               <a:ext uri="{28A0092B-C50C-407E-A947-70E740481C1C}">
-                <a14:useLocalDpi xmlns:a14="http://schemas.microsoft.com/office/drawing/2010/main" xmlns="" val="0"/>
+                <a14:useLocalDpi xmlns="" xmlns:a14="http://schemas.microsoft.com/office/drawing/2010/main" val="0"/>
               </a:ext>
             </a:extLst>
           </a:blip>
@@ -17158,14 +17158,14 @@
           </a:ln>
           <a:extLst>
             <a:ext uri="{909E8E84-426E-40DD-AFC4-6F175D3DCCD1}">
-              <a14:hiddenFill xmlns:a14="http://schemas.microsoft.com/office/drawing/2010/main" xmlns="">
+              <a14:hiddenFill xmlns="" xmlns:a14="http://schemas.microsoft.com/office/drawing/2010/main">
                 <a:solidFill>
                   <a:schemeClr val="accent1"/>
                 </a:solidFill>
               </a14:hiddenFill>
             </a:ext>
             <a:ext uri="{91240B29-F687-4F45-9708-019B960494DF}">
-              <a14:hiddenLine xmlns:a14="http://schemas.microsoft.com/office/drawing/2010/main" xmlns="" w="9525">
+              <a14:hiddenLine xmlns="" xmlns:a14="http://schemas.microsoft.com/office/drawing/2010/main" w="9525">
                 <a:solidFill>
                   <a:schemeClr val="tx1"/>
                 </a:solidFill>
@@ -17189,7 +17189,7 @@
           <a:blip r:embed="rId3">
             <a:extLst>
               <a:ext uri="{28A0092B-C50C-407E-A947-70E740481C1C}">
-                <a14:useLocalDpi xmlns:a14="http://schemas.microsoft.com/office/drawing/2010/main" xmlns="" val="0"/>
+                <a14:useLocalDpi xmlns="" xmlns:a14="http://schemas.microsoft.com/office/drawing/2010/main" val="0"/>
               </a:ext>
             </a:extLst>
           </a:blip>
@@ -17212,14 +17212,14 @@
           </a:ln>
           <a:extLst>
             <a:ext uri="{909E8E84-426E-40DD-AFC4-6F175D3DCCD1}">
-              <a14:hiddenFill xmlns:a14="http://schemas.microsoft.com/office/drawing/2010/main" xmlns="">
+              <a14:hiddenFill xmlns="" xmlns:a14="http://schemas.microsoft.com/office/drawing/2010/main">
                 <a:solidFill>
                   <a:schemeClr val="accent1"/>
                 </a:solidFill>
               </a14:hiddenFill>
             </a:ext>
             <a:ext uri="{91240B29-F687-4F45-9708-019B960494DF}">
-              <a14:hiddenLine xmlns:a14="http://schemas.microsoft.com/office/drawing/2010/main" xmlns="" w="9525">
+              <a14:hiddenLine xmlns="" xmlns:a14="http://schemas.microsoft.com/office/drawing/2010/main" w="9525">
                 <a:solidFill>
                   <a:schemeClr val="tx1"/>
                 </a:solidFill>
@@ -17234,7 +17234,7 @@
     </p:spTree>
     <p:extLst>
       <p:ext uri="{BB962C8B-B14F-4D97-AF65-F5344CB8AC3E}">
-        <p14:creationId xmlns:p14="http://schemas.microsoft.com/office/powerpoint/2010/main" xmlns="" val="317420323"/>
+        <p14:creationId xmlns="" xmlns:p14="http://schemas.microsoft.com/office/powerpoint/2010/main" val="317420323"/>
       </p:ext>
     </p:extLst>
   </p:cSld>
@@ -17332,7 +17332,7 @@
                 <a:latin typeface="Times New Roman" panose="02020603050405020304" pitchFamily="18" charset="0"/>
                 <a:cs typeface="Times New Roman" panose="02020603050405020304" pitchFamily="18" charset="0"/>
               </a:rPr>
-              <a:t>Our </a:t>
+              <a:t>Current </a:t>
             </a:r>
             <a:r>
               <a:rPr lang="en-US" dirty="0">
@@ -17342,7 +17342,7 @@
                 <a:latin typeface="Times New Roman" panose="02020603050405020304" pitchFamily="18" charset="0"/>
                 <a:cs typeface="Times New Roman" panose="02020603050405020304" pitchFamily="18" charset="0"/>
               </a:rPr>
-              <a:t>current work detected the tumor if present with a test accuracy of </a:t>
+              <a:t>work detected the tumor if present with a test accuracy of </a:t>
             </a:r>
             <a:r>
               <a:rPr lang="en-US" dirty="0" smtClean="0">
@@ -17392,6 +17392,16 @@
               <a:t>In </a:t>
             </a:r>
             <a:r>
+              <a:rPr lang="en-US" dirty="0" smtClean="0">
+                <a:solidFill>
+                  <a:schemeClr val="tx1"/>
+                </a:solidFill>
+                <a:latin typeface="Times New Roman" panose="02020603050405020304" pitchFamily="18" charset="0"/>
+                <a:cs typeface="Times New Roman" panose="02020603050405020304" pitchFamily="18" charset="0"/>
+              </a:rPr>
+              <a:t>future , I would like to </a:t>
+            </a:r>
+            <a:r>
               <a:rPr lang="en-US" dirty="0">
                 <a:solidFill>
                   <a:schemeClr val="tx1"/>
@@ -17399,7 +17409,7 @@
                 <a:latin typeface="Times New Roman" panose="02020603050405020304" pitchFamily="18" charset="0"/>
                 <a:cs typeface="Times New Roman" panose="02020603050405020304" pitchFamily="18" charset="0"/>
               </a:rPr>
-              <a:t>Major Project, We want to classify MRI images into multiple </a:t>
+              <a:t>classify MRI images into multiple </a:t>
             </a:r>
             <a:r>
               <a:rPr lang="en-US" dirty="0" smtClean="0">
@@ -17434,7 +17444,7 @@
     </p:spTree>
     <p:extLst>
       <p:ext uri="{BB962C8B-B14F-4D97-AF65-F5344CB8AC3E}">
-        <p14:creationId xmlns:p14="http://schemas.microsoft.com/office/powerpoint/2010/main" xmlns="" val="568318458"/>
+        <p14:creationId xmlns="" xmlns:p14="http://schemas.microsoft.com/office/powerpoint/2010/main" val="568318458"/>
       </p:ext>
     </p:extLst>
   </p:cSld>
@@ -17659,7 +17669,7 @@
     </p:spTree>
     <p:extLst>
       <p:ext uri="{BB962C8B-B14F-4D97-AF65-F5344CB8AC3E}">
-        <p14:creationId xmlns:p14="http://schemas.microsoft.com/office/powerpoint/2010/main" xmlns="" val="1274396704"/>
+        <p14:creationId xmlns="" xmlns:p14="http://schemas.microsoft.com/office/powerpoint/2010/main" val="1274396704"/>
       </p:ext>
     </p:extLst>
   </p:cSld>
@@ -18020,7 +18030,7 @@
     </p:spTree>
     <p:extLst>
       <p:ext uri="{BB962C8B-B14F-4D97-AF65-F5344CB8AC3E}">
-        <p14:creationId xmlns:p14="http://schemas.microsoft.com/office/powerpoint/2010/main" xmlns="" val="784895153"/>
+        <p14:creationId xmlns="" xmlns:p14="http://schemas.microsoft.com/office/powerpoint/2010/main" val="784895153"/>
       </p:ext>
     </p:extLst>
   </p:cSld>
@@ -18354,7 +18364,7 @@
     </p:spTree>
     <p:extLst>
       <p:ext uri="{BB962C8B-B14F-4D97-AF65-F5344CB8AC3E}">
-        <p14:creationId xmlns:p14="http://schemas.microsoft.com/office/powerpoint/2010/main" xmlns="" val="432296126"/>
+        <p14:creationId xmlns="" xmlns:p14="http://schemas.microsoft.com/office/powerpoint/2010/main" val="432296126"/>
       </p:ext>
     </p:extLst>
   </p:cSld>
@@ -18429,7 +18439,7 @@
             <p:ph idx="1"/>
             <p:extLst>
               <p:ext uri="{D42A27DB-BD31-4B8C-83A1-F6EECF244321}">
-                <p14:modId xmlns:p14="http://schemas.microsoft.com/office/powerpoint/2010/main" xmlns="" val="2692106446"/>
+                <p14:modId xmlns="" xmlns:p14="http://schemas.microsoft.com/office/powerpoint/2010/main" val="2692106446"/>
               </p:ext>
             </p:extLst>
           </p:nvPr>
@@ -18447,7 +18457,7 @@
     </p:spTree>
     <p:extLst>
       <p:ext uri="{BB962C8B-B14F-4D97-AF65-F5344CB8AC3E}">
-        <p14:creationId xmlns:p14="http://schemas.microsoft.com/office/powerpoint/2010/main" xmlns="" val="2551745539"/>
+        <p14:creationId xmlns="" xmlns:p14="http://schemas.microsoft.com/office/powerpoint/2010/main" val="2551745539"/>
       </p:ext>
     </p:extLst>
   </p:cSld>
@@ -18765,7 +18775,7 @@
     </p:spTree>
     <p:extLst>
       <p:ext uri="{BB962C8B-B14F-4D97-AF65-F5344CB8AC3E}">
-        <p14:creationId xmlns:p14="http://schemas.microsoft.com/office/powerpoint/2010/main" xmlns="" val="1207374572"/>
+        <p14:creationId xmlns="" xmlns:p14="http://schemas.microsoft.com/office/powerpoint/2010/main" val="1207374572"/>
       </p:ext>
     </p:extLst>
   </p:cSld>
@@ -18824,14 +18834,7 @@
                 <a:latin typeface="Times New Roman" panose="02020603050405020304" pitchFamily="18" charset="0"/>
                 <a:cs typeface="Times New Roman" panose="02020603050405020304" pitchFamily="18" charset="0"/>
               </a:rPr>
-              <a:t>Data </a:t>
-            </a:r>
-            <a:r>
-              <a:rPr lang="en-IN" sz="3200" b="1" dirty="0" smtClean="0">
-                <a:latin typeface="Times New Roman" panose="02020603050405020304" pitchFamily="18" charset="0"/>
-                <a:cs typeface="Times New Roman" panose="02020603050405020304" pitchFamily="18" charset="0"/>
-              </a:rPr>
-              <a:t>set</a:t>
+              <a:t>Data set</a:t>
             </a:r>
             <a:endParaRPr lang="en-IN" sz="3200" b="1" dirty="0">
               <a:latin typeface="Times New Roman" panose="02020603050405020304" pitchFamily="18" charset="0"/>
@@ -19004,7 +19007,7 @@
     </p:spTree>
     <p:extLst>
       <p:ext uri="{BB962C8B-B14F-4D97-AF65-F5344CB8AC3E}">
-        <p14:creationId xmlns:p14="http://schemas.microsoft.com/office/powerpoint/2010/main" xmlns="" val="3454599430"/>
+        <p14:creationId xmlns="" xmlns:p14="http://schemas.microsoft.com/office/powerpoint/2010/main" val="3454599430"/>
       </p:ext>
     </p:extLst>
   </p:cSld>
@@ -19063,14 +19066,7 @@
                 <a:latin typeface="Times New Roman" panose="02020603050405020304" pitchFamily="18" charset="0"/>
                 <a:cs typeface="Times New Roman" panose="02020603050405020304" pitchFamily="18" charset="0"/>
               </a:rPr>
-              <a:t>Data </a:t>
-            </a:r>
-            <a:r>
-              <a:rPr lang="en-IN" sz="3200" b="1" dirty="0" smtClean="0">
-                <a:latin typeface="Times New Roman" panose="02020603050405020304" pitchFamily="18" charset="0"/>
-                <a:cs typeface="Times New Roman" panose="02020603050405020304" pitchFamily="18" charset="0"/>
-              </a:rPr>
-              <a:t>set</a:t>
+              <a:t>Data set</a:t>
             </a:r>
             <a:endParaRPr lang="en-IN" sz="3200" b="1" dirty="0">
               <a:latin typeface="Times New Roman" panose="02020603050405020304" pitchFamily="18" charset="0"/>
@@ -19251,7 +19247,7 @@
           <a:blip r:embed="rId2">
             <a:extLst>
               <a:ext uri="{28A0092B-C50C-407E-A947-70E740481C1C}">
-                <a14:useLocalDpi xmlns:a14="http://schemas.microsoft.com/office/drawing/2010/main" xmlns="" val="0"/>
+                <a14:useLocalDpi xmlns="" xmlns:a14="http://schemas.microsoft.com/office/drawing/2010/main" val="0"/>
               </a:ext>
             </a:extLst>
           </a:blip>
@@ -19274,14 +19270,14 @@
           </a:ln>
           <a:extLst>
             <a:ext uri="{909E8E84-426E-40DD-AFC4-6F175D3DCCD1}">
-              <a14:hiddenFill xmlns:a14="http://schemas.microsoft.com/office/drawing/2010/main" xmlns="">
+              <a14:hiddenFill xmlns="" xmlns:a14="http://schemas.microsoft.com/office/drawing/2010/main">
                 <a:solidFill>
                   <a:schemeClr val="accent1"/>
                 </a:solidFill>
               </a14:hiddenFill>
             </a:ext>
             <a:ext uri="{91240B29-F687-4F45-9708-019B960494DF}">
-              <a14:hiddenLine xmlns:a14="http://schemas.microsoft.com/office/drawing/2010/main" xmlns="" w="9525">
+              <a14:hiddenLine xmlns="" xmlns:a14="http://schemas.microsoft.com/office/drawing/2010/main" w="9525">
                 <a:solidFill>
                   <a:schemeClr val="tx1"/>
                 </a:solidFill>
@@ -19296,7 +19292,7 @@
     </p:spTree>
     <p:extLst>
       <p:ext uri="{BB962C8B-B14F-4D97-AF65-F5344CB8AC3E}">
-        <p14:creationId xmlns:p14="http://schemas.microsoft.com/office/powerpoint/2010/main" xmlns="" val="2233697190"/>
+        <p14:creationId xmlns="" xmlns:p14="http://schemas.microsoft.com/office/powerpoint/2010/main" val="2233697190"/>
       </p:ext>
     </p:extLst>
   </p:cSld>
@@ -19491,7 +19487,7 @@
     </p:spTree>
     <p:extLst>
       <p:ext uri="{BB962C8B-B14F-4D97-AF65-F5344CB8AC3E}">
-        <p14:creationId xmlns:p14="http://schemas.microsoft.com/office/powerpoint/2010/main" xmlns="" val="4287960124"/>
+        <p14:creationId xmlns="" xmlns:p14="http://schemas.microsoft.com/office/powerpoint/2010/main" val="4287960124"/>
       </p:ext>
     </p:extLst>
   </p:cSld>
